--- a/AgileDenver Sponsorship/Slides.pptx
+++ b/AgileDenver Sponsorship/Slides.pptx
@@ -198,7 +198,7 @@
             <a:fld id="{116FDD2B-5F3E-4BAA-8799-250E930C1A78}" type="datetimeFigureOut">
               <a:rPr lang="en-US" smtClean="0"/>
               <a:pPr/>
-              <a:t>8/24/2012</a:t>
+              <a:t>8/26/2012</a:t>
             </a:fld>
             <a:endParaRPr lang="en-US" dirty="0"/>
           </a:p>
@@ -365,7 +365,7 @@
             <a:fld id="{000840EB-3B85-44A9-AB37-E1CBD018F808}" type="datetimeFigureOut">
               <a:rPr lang="en-US" smtClean="0"/>
               <a:pPr/>
-              <a:t>8/24/2012</a:t>
+              <a:t>8/26/2012</a:t>
             </a:fld>
             <a:endParaRPr lang="en-US" dirty="0"/>
           </a:p>
@@ -943,7 +943,7 @@
             <a:fld id="{B4FD9BEE-04D3-43BF-B337-0CE7DEE4C162}" type="datetimeFigureOut">
               <a:rPr lang="en-US" smtClean="0"/>
               <a:pPr/>
-              <a:t>8/24/2012</a:t>
+              <a:t>8/26/2012</a:t>
             </a:fld>
             <a:endParaRPr lang="en-US" dirty="0"/>
           </a:p>
@@ -1131,7 +1131,7 @@
             <a:fld id="{B4FD9BEE-04D3-43BF-B337-0CE7DEE4C162}" type="datetimeFigureOut">
               <a:rPr lang="en-US" smtClean="0"/>
               <a:pPr/>
-              <a:t>8/24/2012</a:t>
+              <a:t>8/26/2012</a:t>
             </a:fld>
             <a:endParaRPr lang="en-US" dirty="0"/>
           </a:p>
@@ -1319,7 +1319,7 @@
             <a:fld id="{B4FD9BEE-04D3-43BF-B337-0CE7DEE4C162}" type="datetimeFigureOut">
               <a:rPr lang="en-US" smtClean="0"/>
               <a:pPr/>
-              <a:t>8/24/2012</a:t>
+              <a:t>8/26/2012</a:t>
             </a:fld>
             <a:endParaRPr lang="en-US" dirty="0"/>
           </a:p>
@@ -1507,7 +1507,7 @@
             <a:fld id="{B4FD9BEE-04D3-43BF-B337-0CE7DEE4C162}" type="datetimeFigureOut">
               <a:rPr lang="en-US" smtClean="0"/>
               <a:pPr/>
-              <a:t>8/24/2012</a:t>
+              <a:t>8/26/2012</a:t>
             </a:fld>
             <a:endParaRPr lang="en-US" dirty="0"/>
           </a:p>
@@ -1891,7 +1891,7 @@
             <a:fld id="{B4FD9BEE-04D3-43BF-B337-0CE7DEE4C162}" type="datetimeFigureOut">
               <a:rPr lang="en-US" smtClean="0"/>
               <a:pPr/>
-              <a:t>8/24/2012</a:t>
+              <a:t>8/26/2012</a:t>
             </a:fld>
             <a:endParaRPr lang="en-US" dirty="0"/>
           </a:p>
@@ -2163,7 +2163,7 @@
             <a:fld id="{B4FD9BEE-04D3-43BF-B337-0CE7DEE4C162}" type="datetimeFigureOut">
               <a:rPr lang="en-US" smtClean="0"/>
               <a:pPr/>
-              <a:t>8/24/2012</a:t>
+              <a:t>8/26/2012</a:t>
             </a:fld>
             <a:endParaRPr lang="en-US" dirty="0"/>
           </a:p>
@@ -2551,7 +2551,7 @@
             <a:fld id="{B4FD9BEE-04D3-43BF-B337-0CE7DEE4C162}" type="datetimeFigureOut">
               <a:rPr lang="en-US" smtClean="0"/>
               <a:pPr/>
-              <a:t>8/24/2012</a:t>
+              <a:t>8/26/2012</a:t>
             </a:fld>
             <a:endParaRPr lang="en-US" dirty="0"/>
           </a:p>
@@ -2675,7 +2675,7 @@
             <a:fld id="{B4FD9BEE-04D3-43BF-B337-0CE7DEE4C162}" type="datetimeFigureOut">
               <a:rPr lang="en-US" smtClean="0"/>
               <a:pPr/>
-              <a:t>8/24/2012</a:t>
+              <a:t>8/26/2012</a:t>
             </a:fld>
             <a:endParaRPr lang="en-US" dirty="0"/>
           </a:p>
@@ -2858,7 +2858,7 @@
             <a:fld id="{B4FD9BEE-04D3-43BF-B337-0CE7DEE4C162}" type="datetimeFigureOut">
               <a:rPr lang="en-US" smtClean="0"/>
               <a:pPr/>
-              <a:t>8/24/2012</a:t>
+              <a:t>8/26/2012</a:t>
             </a:fld>
             <a:endParaRPr lang="en-US" dirty="0"/>
           </a:p>
@@ -3195,7 +3195,7 @@
             <a:fld id="{B4FD9BEE-04D3-43BF-B337-0CE7DEE4C162}" type="datetimeFigureOut">
               <a:rPr lang="en-US" smtClean="0"/>
               <a:pPr/>
-              <a:t>8/24/2012</a:t>
+              <a:t>8/26/2012</a:t>
             </a:fld>
             <a:endParaRPr lang="en-US" dirty="0"/>
           </a:p>
@@ -3567,7 +3567,7 @@
             <a:fld id="{B4FD9BEE-04D3-43BF-B337-0CE7DEE4C162}" type="datetimeFigureOut">
               <a:rPr lang="en-US" smtClean="0"/>
               <a:pPr/>
-              <a:t>8/24/2012</a:t>
+              <a:t>8/26/2012</a:t>
             </a:fld>
             <a:endParaRPr lang="en-US" dirty="0"/>
           </a:p>
@@ -3993,7 +3993,7 @@
             <a:fld id="{B4FD9BEE-04D3-43BF-B337-0CE7DEE4C162}" type="datetimeFigureOut">
               <a:rPr lang="en-US" smtClean="0"/>
               <a:pPr/>
-              <a:t>8/24/2012</a:t>
+              <a:t>8/26/2012</a:t>
             </a:fld>
             <a:endParaRPr lang="en-US" dirty="0"/>
           </a:p>
@@ -4664,23 +4664,7 @@
                 </a:effectLst>
                 <a:latin typeface="Trebuchet MS" pitchFamily="34" charset="0"/>
               </a:rPr>
-              <a:t>Who </a:t>
-            </a:r>
-            <a:r>
-              <a:rPr lang="en-US" sz="4000" dirty="0" smtClean="0">
-                <a:solidFill>
-                  <a:srgbClr val="FFC000"/>
-                </a:solidFill>
-                <a:effectLst>
-                  <a:outerShdw blurRad="38100" dist="38100" dir="2700000" algn="tl">
-                    <a:srgbClr val="000000">
-                      <a:alpha val="43137"/>
-                    </a:srgbClr>
-                  </a:outerShdw>
-                </a:effectLst>
-                <a:latin typeface="Trebuchet MS" pitchFamily="34" charset="0"/>
-              </a:rPr>
-              <a:t>we are</a:t>
+              <a:t>Who we are</a:t>
             </a:r>
             <a:endParaRPr lang="en-US" sz="4000" dirty="0">
               <a:solidFill>
@@ -5234,19 +5218,7 @@
                 </a:solidFill>
                 <a:latin typeface="Trebuchet MS" pitchFamily="34" charset="0"/>
               </a:rPr>
-              <a:t>Download </a:t>
-            </a:r>
-            <a:r>
-              <a:rPr lang="en-US" sz="2600" dirty="0" smtClean="0">
-                <a:solidFill>
-                  <a:schemeClr val="tx1">
-                    <a:lumMod val="50000"/>
-                    <a:lumOff val="50000"/>
-                  </a:schemeClr>
-                </a:solidFill>
-                <a:latin typeface="Trebuchet MS" pitchFamily="34" charset="0"/>
-              </a:rPr>
-              <a:t>source code anytime</a:t>
+              <a:t>Download source code anytime</a:t>
             </a:r>
             <a:endParaRPr lang="en-US" sz="2600" dirty="0">
               <a:solidFill>
@@ -5310,19 +5282,7 @@
                 </a:solidFill>
                 <a:latin typeface="Trebuchet MS" pitchFamily="34" charset="0"/>
               </a:rPr>
-              <a:t>Change </a:t>
-            </a:r>
-            <a:r>
-              <a:rPr lang="en-US" sz="2600" dirty="0" smtClean="0">
-                <a:solidFill>
-                  <a:schemeClr val="tx1">
-                    <a:lumMod val="50000"/>
-                    <a:lumOff val="50000"/>
-                  </a:schemeClr>
-                </a:solidFill>
-                <a:latin typeface="Trebuchet MS" pitchFamily="34" charset="0"/>
-              </a:rPr>
-              <a:t>requirements or priorities anytime</a:t>
+              <a:t>Change requirements or priorities anytime</a:t>
             </a:r>
             <a:endParaRPr lang="en-US" sz="2600" dirty="0">
               <a:solidFill>
@@ -5354,19 +5314,7 @@
                 </a:solidFill>
                 <a:latin typeface="Trebuchet MS" pitchFamily="34" charset="0"/>
               </a:rPr>
-              <a:t>Face-to-face </a:t>
-            </a:r>
-            <a:r>
-              <a:rPr lang="en-US" sz="2600" dirty="0" smtClean="0">
-                <a:solidFill>
-                  <a:schemeClr val="tx1">
-                    <a:lumMod val="50000"/>
-                    <a:lumOff val="50000"/>
-                  </a:schemeClr>
-                </a:solidFill>
-                <a:latin typeface="Trebuchet MS" pitchFamily="34" charset="0"/>
-              </a:rPr>
-              <a:t>meetings anytime</a:t>
+              <a:t>Face-to-face meetings anytime</a:t>
             </a:r>
             <a:endParaRPr lang="en-US" sz="2600" dirty="0">
               <a:solidFill>
